--- a/파이썬 8.pptx
+++ b/파이썬 8.pptx
@@ -4978,14 +4978,36 @@
           <a:p>
             <a:r>
               <a:rPr lang="en-US" altLang="ko-KR" sz="1400" dirty="0"/>
-              <a:t>string1 = "python is easy"</a:t>
-            </a:r>
-          </a:p>
-          <a:p>
-            <a:r>
-              <a:rPr lang="en-US" altLang="ko-KR" sz="1400" dirty="0"/>
-              <a:t>string2 = "I love python"</a:t>
-            </a:r>
+              <a:t>string1 = "python is easy“ #</a:t>
+            </a:r>
+            <a:r>
+              <a:rPr lang="ko-KR" altLang="en-US" sz="1400" dirty="0"/>
+              <a:t>제일 앞에 있으니 찾는다</a:t>
+            </a:r>
+            <a:endParaRPr lang="en-US" altLang="ko-KR" sz="1400" dirty="0"/>
+          </a:p>
+          <a:p>
+            <a:r>
+              <a:rPr lang="en-US" altLang="ko-KR" sz="1400" dirty="0"/>
+              <a:t>string2 = "I love python“ #</a:t>
+            </a:r>
+            <a:r>
+              <a:rPr lang="ko-KR" altLang="en-US" sz="1400" dirty="0"/>
+              <a:t>뒤에 있어도 </a:t>
+            </a:r>
+            <a:r>
+              <a:rPr lang="ko-KR" altLang="en-US" sz="1400" dirty="0" err="1"/>
+              <a:t>못찾는다</a:t>
+            </a:r>
+            <a:r>
+              <a:rPr lang="en-US" altLang="ko-KR" sz="1400" dirty="0"/>
+              <a:t>. Research</a:t>
+            </a:r>
+            <a:r>
+              <a:rPr lang="ko-KR" altLang="en-US" sz="1400" dirty="0"/>
+              <a:t>는 찾는다</a:t>
+            </a:r>
+            <a:endParaRPr lang="en-US" altLang="ko-KR" sz="1400" dirty="0"/>
           </a:p>
           <a:p>
             <a:r>
@@ -5030,8 +5052,25 @@
             </a:r>
             <a:r>
               <a:rPr lang="en-US" altLang="ko-KR" sz="1400" dirty="0"/>
-              <a:t>(pattern, string2)</a:t>
-            </a:r>
+              <a:t>(pattern, string2) #</a:t>
+            </a:r>
+            <a:r>
+              <a:rPr lang="ko-KR" altLang="en-US" sz="1400" dirty="0" err="1"/>
+              <a:t>트루</a:t>
+            </a:r>
+            <a:r>
+              <a:rPr lang="ko-KR" altLang="en-US" sz="1400" dirty="0"/>
+              <a:t> </a:t>
+            </a:r>
+            <a:r>
+              <a:rPr lang="en-US" altLang="ko-KR" sz="1400" dirty="0"/>
+              <a:t>false</a:t>
+            </a:r>
+            <a:r>
+              <a:rPr lang="ko-KR" altLang="en-US" sz="1400" dirty="0"/>
+              <a:t>로 반환된다</a:t>
+            </a:r>
+            <a:endParaRPr lang="en-US" altLang="ko-KR" sz="1400" dirty="0"/>
           </a:p>
           <a:p>
             <a:r>
@@ -5691,6 +5730,31 @@
             </a:r>
           </a:p>
           <a:p>
+            <a:pPr lvl="1"/>
+            <a:r>
+              <a:rPr lang="en-US" altLang="ko-KR" dirty="0"/>
+              <a:t>#</a:t>
+            </a:r>
+            <a:r>
+              <a:rPr lang="ko-KR" altLang="en-US" dirty="0"/>
+              <a:t>반환을 리스트로 해준다</a:t>
+            </a:r>
+            <a:r>
+              <a:rPr lang="en-US" altLang="ko-KR" dirty="0"/>
+              <a:t>. </a:t>
+            </a:r>
+            <a:r>
+              <a:rPr lang="ko-KR" altLang="en-US" dirty="0"/>
+              <a:t>이걸 젤 </a:t>
+            </a:r>
+            <a:r>
+              <a:rPr lang="ko-KR" altLang="en-US" dirty="0" err="1"/>
+              <a:t>많이쓴다</a:t>
+            </a:r>
+            <a:r>
+              <a:rPr lang="en-US" altLang="ko-KR" dirty="0"/>
+              <a:t>.</a:t>
+            </a:r>
             <a:endParaRPr lang="ko-KR" altLang="en-US" dirty="0"/>
           </a:p>
         </p:txBody>
@@ -12504,7 +12568,7 @@
           <a:graphicData uri="http://schemas.openxmlformats.org/presentationml/2006/ole">
             <mc:AlternateContent xmlns:mc="http://schemas.openxmlformats.org/markup-compatibility/2006">
               <mc:Choice xmlns:v="urn:schemas-microsoft-com:vml" Requires="v">
-                <p:oleObj spid="_x0000_s1033" name="포장기 셸 개체" showAsIcon="1" r:id="rId3" imgW="760680" imgH="576000" progId="Package">
+                <p:oleObj spid="_x0000_s1039" name="포장기 셸 개체" showAsIcon="1" r:id="rId3" imgW="760680" imgH="576000" progId="Package">
                   <p:embed/>
                 </p:oleObj>
               </mc:Choice>

--- a/파이썬 8.pptx
+++ b/파이썬 8.pptx
@@ -8615,7 +8615,15 @@
           <a:p>
             <a:r>
               <a:rPr lang="en-US" altLang="ko-KR" dirty="0"/>
-              <a:t>\b</a:t>
+              <a:t>\b(</a:t>
+            </a:r>
+            <a:r>
+              <a:rPr lang="ko-KR" altLang="en-US" dirty="0" err="1"/>
+              <a:t>바운더리</a:t>
+            </a:r>
+            <a:r>
+              <a:rPr lang="en-US" altLang="ko-KR" dirty="0"/>
+              <a:t>)</a:t>
             </a:r>
             <a:endParaRPr lang="ko-KR" altLang="en-US" dirty="0"/>
           </a:p>
@@ -12568,7 +12576,7 @@
           <a:graphicData uri="http://schemas.openxmlformats.org/presentationml/2006/ole">
             <mc:AlternateContent xmlns:mc="http://schemas.openxmlformats.org/markup-compatibility/2006">
               <mc:Choice xmlns:v="urn:schemas-microsoft-com:vml" Requires="v">
-                <p:oleObj spid="_x0000_s1039" name="포장기 셸 개체" showAsIcon="1" r:id="rId3" imgW="760680" imgH="576000" progId="Package">
+                <p:oleObj spid="_x0000_s1041" name="포장기 셸 개체" showAsIcon="1" r:id="rId3" imgW="760680" imgH="576000" progId="Package">
                   <p:embed/>
                 </p:oleObj>
               </mc:Choice>

--- a/파이썬 8.pptx
+++ b/파이썬 8.pptx
@@ -9484,7 +9484,7 @@
             </a:r>
             <a:r>
               <a:rPr lang="en-US" altLang="ko-KR" dirty="0"/>
-              <a:t>(phone_number2))  # True</a:t>
+              <a:t>(phone_number2))  # False</a:t>
             </a:r>
           </a:p>
           <a:p>
@@ -12576,7 +12576,7 @@
           <a:graphicData uri="http://schemas.openxmlformats.org/presentationml/2006/ole">
             <mc:AlternateContent xmlns:mc="http://schemas.openxmlformats.org/markup-compatibility/2006">
               <mc:Choice xmlns:v="urn:schemas-microsoft-com:vml" Requires="v">
-                <p:oleObj spid="_x0000_s1041" name="포장기 셸 개체" showAsIcon="1" r:id="rId3" imgW="760680" imgH="576000" progId="Package">
+                <p:oleObj spid="_x0000_s1046" name="포장기 셸 개체" showAsIcon="1" r:id="rId3" imgW="760680" imgH="576000" progId="Package">
                   <p:embed/>
                 </p:oleObj>
               </mc:Choice>

--- a/파이썬 8.pptx
+++ b/파이썬 8.pptx
@@ -12576,7 +12576,7 @@
           <a:graphicData uri="http://schemas.openxmlformats.org/presentationml/2006/ole">
             <mc:AlternateContent xmlns:mc="http://schemas.openxmlformats.org/markup-compatibility/2006">
               <mc:Choice xmlns:v="urn:schemas-microsoft-com:vml" Requires="v">
-                <p:oleObj spid="_x0000_s1046" name="포장기 셸 개체" showAsIcon="1" r:id="rId3" imgW="760680" imgH="576000" progId="Package">
+                <p:oleObj spid="_x0000_s1047" name="포장기 셸 개체" showAsIcon="1" r:id="rId3" imgW="760680" imgH="576000" progId="Package">
                   <p:embed/>
                 </p:oleObj>
               </mc:Choice>
